--- a/Taller MQTT.pptx
+++ b/Taller MQTT.pptx
@@ -5,7 +5,7 @@
     <p:sldMasterId id="2147483648" r:id="rId1"/>
   </p:sldMasterIdLst>
   <p:notesMasterIdLst>
-    <p:notesMasterId r:id="rId10"/>
+    <p:notesMasterId r:id="rId12"/>
   </p:notesMasterIdLst>
   <p:sldIdLst>
     <p:sldId id="257" r:id="rId2"/>
@@ -15,7 +15,9 @@
     <p:sldId id="429" r:id="rId6"/>
     <p:sldId id="430" r:id="rId7"/>
     <p:sldId id="431" r:id="rId8"/>
-    <p:sldId id="260" r:id="rId9"/>
+    <p:sldId id="441" r:id="rId9"/>
+    <p:sldId id="440" r:id="rId10"/>
+    <p:sldId id="260" r:id="rId11"/>
   </p:sldIdLst>
   <p:sldSz cx="12192000" cy="6858000"/>
   <p:notesSz cx="6858000" cy="9144000"/>
@@ -3760,6 +3762,246 @@
 </p:sld>
 </file>
 
+<file path=ppt/slides/slide10.xml><?xml version="1.0" encoding="utf-8"?>
+<p:sld xmlns:a="http://schemas.openxmlformats.org/drawingml/2006/main" xmlns:r="http://schemas.openxmlformats.org/officeDocument/2006/relationships" xmlns:p="http://schemas.openxmlformats.org/presentationml/2006/main">
+  <p:cSld>
+    <p:spTree>
+      <p:nvGrpSpPr>
+        <p:cNvPr id="1" name=""/>
+        <p:cNvGrpSpPr/>
+        <p:nvPr/>
+      </p:nvGrpSpPr>
+      <p:grpSpPr>
+        <a:xfrm>
+          <a:off x="0" y="0"/>
+          <a:ext cx="0" cy="0"/>
+          <a:chOff x="0" y="0"/>
+          <a:chExt cx="0" cy="0"/>
+        </a:xfrm>
+      </p:grpSpPr>
+      <p:pic>
+        <p:nvPicPr>
+          <p:cNvPr id="7" name="6 Imagen"/>
+          <p:cNvPicPr>
+            <a:picLocks noChangeAspect="1"/>
+          </p:cNvPicPr>
+          <p:nvPr/>
+        </p:nvPicPr>
+        <p:blipFill rotWithShape="1">
+          <a:blip r:embed="rId2" cstate="print">
+            <a:extLst>
+              <a:ext uri="{28A0092B-C50C-407E-A947-70E740481C1C}">
+                <a14:useLocalDpi xmlns:a14="http://schemas.microsoft.com/office/drawing/2010/main" val="0"/>
+              </a:ext>
+            </a:extLst>
+          </a:blip>
+          <a:srcRect t="3453" b="2753"/>
+          <a:stretch/>
+        </p:blipFill>
+        <p:spPr>
+          <a:xfrm>
+            <a:off x="1524001" y="4005064"/>
+            <a:ext cx="3566579" cy="2664296"/>
+          </a:xfrm>
+          <a:prstGeom prst="rect">
+            <a:avLst/>
+          </a:prstGeom>
+        </p:spPr>
+      </p:pic>
+      <p:pic>
+        <p:nvPicPr>
+          <p:cNvPr id="1026" name="Picture 2"/>
+          <p:cNvPicPr>
+            <a:picLocks noChangeAspect="1" noChangeArrowheads="1"/>
+          </p:cNvPicPr>
+          <p:nvPr/>
+        </p:nvPicPr>
+        <p:blipFill>
+          <a:blip r:embed="rId3">
+            <a:extLst>
+              <a:ext uri="{28A0092B-C50C-407E-A947-70E740481C1C}">
+                <a14:useLocalDpi xmlns:a14="http://schemas.microsoft.com/office/drawing/2010/main" val="0"/>
+              </a:ext>
+            </a:extLst>
+          </a:blip>
+          <a:srcRect/>
+          <a:stretch>
+            <a:fillRect/>
+          </a:stretch>
+        </p:blipFill>
+        <p:spPr bwMode="auto">
+          <a:xfrm>
+            <a:off x="5303912" y="4797153"/>
+            <a:ext cx="1296144" cy="871695"/>
+          </a:xfrm>
+          <a:prstGeom prst="rect">
+            <a:avLst/>
+          </a:prstGeom>
+          <a:noFill/>
+          <a:ln>
+            <a:noFill/>
+          </a:ln>
+          <a:effectLst/>
+          <a:extLst>
+            <a:ext uri="{909E8E84-426E-40DD-AFC4-6F175D3DCCD1}">
+              <a14:hiddenFill xmlns:a14="http://schemas.microsoft.com/office/drawing/2010/main">
+                <a:solidFill>
+                  <a:schemeClr val="accent1"/>
+                </a:solidFill>
+              </a14:hiddenFill>
+            </a:ext>
+            <a:ext uri="{91240B29-F687-4F45-9708-019B960494DF}">
+              <a14:hiddenLine xmlns:a14="http://schemas.microsoft.com/office/drawing/2010/main" w="9525">
+                <a:solidFill>
+                  <a:schemeClr val="tx1"/>
+                </a:solidFill>
+                <a:miter lim="800000"/>
+                <a:headEnd/>
+                <a:tailEnd/>
+              </a14:hiddenLine>
+            </a:ext>
+            <a:ext uri="{AF507438-7753-43E0-B8FC-AC1667EBCBE1}">
+              <a14:hiddenEffects xmlns:a14="http://schemas.microsoft.com/office/drawing/2010/main">
+                <a:effectLst>
+                  <a:outerShdw dist="35921" dir="2700000" algn="ctr" rotWithShape="0">
+                    <a:schemeClr val="bg2"/>
+                  </a:outerShdw>
+                </a:effectLst>
+              </a14:hiddenEffects>
+            </a:ext>
+          </a:extLst>
+        </p:spPr>
+      </p:pic>
+      <p:sp>
+        <p:nvSpPr>
+          <p:cNvPr id="4" name="9 Título"/>
+          <p:cNvSpPr txBox="1">
+            <a:spLocks/>
+          </p:cNvSpPr>
+          <p:nvPr/>
+        </p:nvSpPr>
+        <p:spPr>
+          <a:xfrm>
+            <a:off x="3935760" y="188640"/>
+            <a:ext cx="4320480" cy="576064"/>
+          </a:xfrm>
+          <a:prstGeom prst="rect">
+            <a:avLst/>
+          </a:prstGeom>
+        </p:spPr>
+        <p:txBody>
+          <a:bodyPr vert="horz" lIns="91440" tIns="45720" rIns="91440" bIns="45720" rtlCol="0" anchor="ctr">
+            <a:noAutofit/>
+          </a:bodyPr>
+          <a:lstStyle>
+            <a:lvl1pPr algn="ctr" defTabSz="914400" rtl="0" eaLnBrk="1" latinLnBrk="0" hangingPunct="1">
+              <a:spcBef>
+                <a:spcPct val="0"/>
+              </a:spcBef>
+              <a:buNone/>
+              <a:defRPr sz="4400" kern="1200">
+                <a:solidFill>
+                  <a:schemeClr val="tx1"/>
+                </a:solidFill>
+                <a:latin typeface="+mj-lt"/>
+                <a:ea typeface="+mj-ea"/>
+                <a:cs typeface="+mj-cs"/>
+              </a:defRPr>
+            </a:lvl1pPr>
+          </a:lstStyle>
+          <a:p>
+            <a:r>
+              <a:rPr lang="es-CL" sz="1200" b="1" kern="1100" spc="600" dirty="0">
+                <a:solidFill>
+                  <a:schemeClr val="bg1">
+                    <a:lumMod val="85000"/>
+                  </a:schemeClr>
+                </a:solidFill>
+                <a:latin typeface="Times New Roman" pitchFamily="18" charset="0"/>
+                <a:cs typeface="Times New Roman" pitchFamily="18" charset="0"/>
+              </a:rPr>
+              <a:t>Área de Informática</a:t>
+            </a:r>
+          </a:p>
+        </p:txBody>
+      </p:sp>
+      <p:pic>
+        <p:nvPicPr>
+          <p:cNvPr id="5" name="Picture 2"/>
+          <p:cNvPicPr>
+            <a:picLocks noChangeAspect="1" noChangeArrowheads="1"/>
+          </p:cNvPicPr>
+          <p:nvPr/>
+        </p:nvPicPr>
+        <p:blipFill>
+          <a:blip r:embed="rId4" cstate="print">
+            <a:extLst>
+              <a:ext uri="{28A0092B-C50C-407E-A947-70E740481C1C}">
+                <a14:useLocalDpi xmlns:a14="http://schemas.microsoft.com/office/drawing/2010/main" val="0"/>
+              </a:ext>
+            </a:extLst>
+          </a:blip>
+          <a:srcRect/>
+          <a:stretch>
+            <a:fillRect/>
+          </a:stretch>
+        </p:blipFill>
+        <p:spPr bwMode="auto">
+          <a:xfrm>
+            <a:off x="4383420" y="48652"/>
+            <a:ext cx="3425160" cy="284003"/>
+          </a:xfrm>
+          <a:prstGeom prst="rect">
+            <a:avLst/>
+          </a:prstGeom>
+          <a:noFill/>
+          <a:ln>
+            <a:noFill/>
+          </a:ln>
+          <a:effectLst/>
+          <a:extLst>
+            <a:ext uri="{909E8E84-426E-40DD-AFC4-6F175D3DCCD1}">
+              <a14:hiddenFill xmlns:a14="http://schemas.microsoft.com/office/drawing/2010/main">
+                <a:solidFill>
+                  <a:schemeClr val="accent1"/>
+                </a:solidFill>
+              </a14:hiddenFill>
+            </a:ext>
+            <a:ext uri="{91240B29-F687-4F45-9708-019B960494DF}">
+              <a14:hiddenLine xmlns:a14="http://schemas.microsoft.com/office/drawing/2010/main" w="9525">
+                <a:solidFill>
+                  <a:schemeClr val="tx1"/>
+                </a:solidFill>
+                <a:miter lim="800000"/>
+                <a:headEnd/>
+                <a:tailEnd/>
+              </a14:hiddenLine>
+            </a:ext>
+            <a:ext uri="{AF507438-7753-43E0-B8FC-AC1667EBCBE1}">
+              <a14:hiddenEffects xmlns:a14="http://schemas.microsoft.com/office/drawing/2010/main">
+                <a:effectLst>
+                  <a:outerShdw dist="35921" dir="2700000" algn="ctr" rotWithShape="0">
+                    <a:schemeClr val="bg2"/>
+                  </a:outerShdw>
+                </a:effectLst>
+              </a14:hiddenEffects>
+            </a:ext>
+          </a:extLst>
+        </p:spPr>
+      </p:pic>
+    </p:spTree>
+    <p:extLst>
+      <p:ext uri="{BB962C8B-B14F-4D97-AF65-F5344CB8AC3E}">
+        <p14:creationId xmlns:p14="http://schemas.microsoft.com/office/powerpoint/2010/main" val="2285125894"/>
+      </p:ext>
+    </p:extLst>
+  </p:cSld>
+  <p:clrMapOvr>
+    <a:masterClrMapping/>
+  </p:clrMapOvr>
+</p:sld>
+</file>
+
 <file path=ppt/slides/slide2.xml><?xml version="1.0" encoding="utf-8"?>
 <p:sld xmlns:a="http://schemas.openxmlformats.org/drawingml/2006/main" xmlns:r="http://schemas.openxmlformats.org/officeDocument/2006/relationships" xmlns:p="http://schemas.openxmlformats.org/presentationml/2006/main">
   <p:cSld>
@@ -5630,131 +5872,11 @@
           <a:p>
             <a:r>
               <a:rPr lang="es-CL" b="1" dirty="0"/>
-              <a:t>Demo</a:t>
-            </a:r>
-          </a:p>
-        </p:txBody>
-      </p:sp>
-      <p:pic>
-        <p:nvPicPr>
-          <p:cNvPr id="2" name="Imagen 1">
-            <a:extLst>
-              <a:ext uri="{FF2B5EF4-FFF2-40B4-BE49-F238E27FC236}">
-                <a16:creationId xmlns:a16="http://schemas.microsoft.com/office/drawing/2014/main" id="{68B5B2D2-E15D-4EFC-9642-FC087B1F7411}"/>
-              </a:ext>
-            </a:extLst>
-          </p:cNvPr>
-          <p:cNvPicPr>
-            <a:picLocks noChangeAspect="1"/>
-          </p:cNvPicPr>
-          <p:nvPr/>
-        </p:nvPicPr>
-        <p:blipFill>
-          <a:blip r:embed="rId4"/>
-          <a:stretch>
-            <a:fillRect/>
-          </a:stretch>
-        </p:blipFill>
-        <p:spPr>
-          <a:xfrm>
-            <a:off x="407368" y="1361656"/>
-            <a:ext cx="3032218" cy="2813629"/>
-          </a:xfrm>
-          <a:prstGeom prst="rect">
-            <a:avLst/>
-          </a:prstGeom>
-        </p:spPr>
-      </p:pic>
-      <p:pic>
-        <p:nvPicPr>
-          <p:cNvPr id="3" name="Imagen 2">
-            <a:extLst>
-              <a:ext uri="{FF2B5EF4-FFF2-40B4-BE49-F238E27FC236}">
-                <a16:creationId xmlns:a16="http://schemas.microsoft.com/office/drawing/2014/main" id="{2EDFBB67-BDBE-412E-ABEA-46CC9CBA89F9}"/>
-              </a:ext>
-            </a:extLst>
-          </p:cNvPr>
-          <p:cNvPicPr>
-            <a:picLocks noChangeAspect="1"/>
-          </p:cNvPicPr>
-          <p:nvPr/>
-        </p:nvPicPr>
-        <p:blipFill>
-          <a:blip r:embed="rId5"/>
-          <a:stretch>
-            <a:fillRect/>
-          </a:stretch>
-        </p:blipFill>
-        <p:spPr>
-          <a:xfrm>
-            <a:off x="4730051" y="1226485"/>
-            <a:ext cx="7270606" cy="4678042"/>
-          </a:xfrm>
-          <a:prstGeom prst="rect">
-            <a:avLst/>
-          </a:prstGeom>
-        </p:spPr>
-      </p:pic>
-      <p:pic>
-        <p:nvPicPr>
-          <p:cNvPr id="4" name="Imagen 3">
-            <a:extLst>
-              <a:ext uri="{FF2B5EF4-FFF2-40B4-BE49-F238E27FC236}">
-                <a16:creationId xmlns:a16="http://schemas.microsoft.com/office/drawing/2014/main" id="{1133C103-CFD4-4519-AFA6-451DB2B44F67}"/>
-              </a:ext>
-            </a:extLst>
-          </p:cNvPr>
-          <p:cNvPicPr>
-            <a:picLocks noChangeAspect="1"/>
-          </p:cNvPicPr>
-          <p:nvPr/>
-        </p:nvPicPr>
-        <p:blipFill>
-          <a:blip r:embed="rId6"/>
-          <a:stretch>
-            <a:fillRect/>
-          </a:stretch>
-        </p:blipFill>
-        <p:spPr>
-          <a:xfrm>
-            <a:off x="3203576" y="4430211"/>
-            <a:ext cx="1221738" cy="2160000"/>
-          </a:xfrm>
-          <a:prstGeom prst="rect">
-            <a:avLst/>
-          </a:prstGeom>
-        </p:spPr>
-      </p:pic>
-      <p:pic>
-        <p:nvPicPr>
-          <p:cNvPr id="5" name="Imagen 4">
-            <a:extLst>
-              <a:ext uri="{FF2B5EF4-FFF2-40B4-BE49-F238E27FC236}">
-                <a16:creationId xmlns:a16="http://schemas.microsoft.com/office/drawing/2014/main" id="{CE367BC7-4B0F-40ED-A28F-788B0F08AD44}"/>
-              </a:ext>
-            </a:extLst>
-          </p:cNvPr>
-          <p:cNvPicPr>
-            <a:picLocks noChangeAspect="1"/>
-          </p:cNvPicPr>
-          <p:nvPr/>
-        </p:nvPicPr>
-        <p:blipFill>
-          <a:blip r:embed="rId7"/>
-          <a:stretch>
-            <a:fillRect/>
-          </a:stretch>
-        </p:blipFill>
-        <p:spPr>
-          <a:xfrm>
-            <a:off x="1923477" y="4430211"/>
-            <a:ext cx="1221738" cy="2160000"/>
-          </a:xfrm>
-          <a:prstGeom prst="rect">
-            <a:avLst/>
-          </a:prstGeom>
-        </p:spPr>
-      </p:pic>
+              <a:t>Demo: Controlar robot</a:t>
+            </a:r>
+          </a:p>
+        </p:txBody>
+      </p:sp>
     </p:spTree>
     <p:extLst>
       <p:ext uri="{BB962C8B-B14F-4D97-AF65-F5344CB8AC3E}">
@@ -5785,29 +5907,77 @@
           <a:chExt cx="0" cy="0"/>
         </a:xfrm>
       </p:grpSpPr>
+      <p:sp>
+        <p:nvSpPr>
+          <p:cNvPr id="11" name="9 Título"/>
+          <p:cNvSpPr txBox="1">
+            <a:spLocks/>
+          </p:cNvSpPr>
+          <p:nvPr/>
+        </p:nvSpPr>
+        <p:spPr>
+          <a:xfrm>
+            <a:off x="3935760" y="188640"/>
+            <a:ext cx="4320480" cy="576064"/>
+          </a:xfrm>
+          <a:prstGeom prst="rect">
+            <a:avLst/>
+          </a:prstGeom>
+        </p:spPr>
+        <p:txBody>
+          <a:bodyPr vert="horz" lIns="91440" tIns="45720" rIns="91440" bIns="45720" rtlCol="0" anchor="ctr">
+            <a:noAutofit/>
+          </a:bodyPr>
+          <a:lstStyle>
+            <a:lvl1pPr algn="ctr" defTabSz="914400" rtl="0" eaLnBrk="1" latinLnBrk="0" hangingPunct="1">
+              <a:spcBef>
+                <a:spcPct val="0"/>
+              </a:spcBef>
+              <a:buNone/>
+              <a:defRPr sz="4400" kern="1200">
+                <a:solidFill>
+                  <a:schemeClr val="tx1"/>
+                </a:solidFill>
+                <a:latin typeface="+mj-lt"/>
+                <a:ea typeface="+mj-ea"/>
+                <a:cs typeface="+mj-cs"/>
+              </a:defRPr>
+            </a:lvl1pPr>
+          </a:lstStyle>
+          <a:p>
+            <a:r>
+              <a:rPr lang="es-CL" sz="1200" b="1" kern="1100" spc="600" dirty="0">
+                <a:solidFill>
+                  <a:schemeClr val="bg1">
+                    <a:lumMod val="85000"/>
+                  </a:schemeClr>
+                </a:solidFill>
+                <a:latin typeface="Times New Roman" pitchFamily="18" charset="0"/>
+                <a:cs typeface="Times New Roman" pitchFamily="18" charset="0"/>
+              </a:rPr>
+              <a:t>Área de Informática</a:t>
+            </a:r>
+          </a:p>
+        </p:txBody>
+      </p:sp>
       <p:pic>
         <p:nvPicPr>
-          <p:cNvPr id="7" name="6 Imagen"/>
+          <p:cNvPr id="17" name="16 Imagen" descr="LOGO ST_IP_CFT.JPG"/>
           <p:cNvPicPr>
             <a:picLocks noChangeAspect="1"/>
           </p:cNvPicPr>
           <p:nvPr/>
         </p:nvPicPr>
-        <p:blipFill rotWithShape="1">
-          <a:blip r:embed="rId2" cstate="print">
-            <a:extLst>
-              <a:ext uri="{28A0092B-C50C-407E-A947-70E740481C1C}">
-                <a14:useLocalDpi xmlns:a14="http://schemas.microsoft.com/office/drawing/2010/main" val="0"/>
-              </a:ext>
-            </a:extLst>
-          </a:blip>
-          <a:srcRect t="3453" b="2753"/>
-          <a:stretch/>
+        <p:blipFill>
+          <a:blip r:embed="rId2" cstate="print"/>
+          <a:stretch>
+            <a:fillRect/>
+          </a:stretch>
         </p:blipFill>
         <p:spPr>
           <a:xfrm>
-            <a:off x="1524001" y="4005064"/>
-            <a:ext cx="3566579" cy="2664296"/>
+            <a:off x="11202184" y="6192559"/>
+            <a:ext cx="798472" cy="538564"/>
           </a:xfrm>
           <a:prstGeom prst="rect">
             <a:avLst/>
@@ -5816,14 +5986,14 @@
       </p:pic>
       <p:pic>
         <p:nvPicPr>
-          <p:cNvPr id="1026" name="Picture 2"/>
+          <p:cNvPr id="15" name="Picture 2"/>
           <p:cNvPicPr>
             <a:picLocks noChangeAspect="1" noChangeArrowheads="1"/>
           </p:cNvPicPr>
           <p:nvPr/>
         </p:nvPicPr>
         <p:blipFill>
-          <a:blip r:embed="rId3">
+          <a:blip r:embed="rId3" cstate="print">
             <a:extLst>
               <a:ext uri="{28A0092B-C50C-407E-A947-70E740481C1C}">
                 <a14:useLocalDpi xmlns:a14="http://schemas.microsoft.com/office/drawing/2010/main" val="0"/>
@@ -5837,8 +6007,8 @@
         </p:blipFill>
         <p:spPr bwMode="auto">
           <a:xfrm>
-            <a:off x="5303912" y="4797153"/>
-            <a:ext cx="1296144" cy="871695"/>
+            <a:off x="4383420" y="48652"/>
+            <a:ext cx="3425160" cy="284003"/>
           </a:xfrm>
           <a:prstGeom prst="rect">
             <a:avLst/>
@@ -5880,7 +6050,91 @@
       </p:pic>
       <p:sp>
         <p:nvSpPr>
-          <p:cNvPr id="4" name="9 Título"/>
+          <p:cNvPr id="6" name="Rectángulo: esquinas redondeadas 5">
+            <a:extLst>
+              <a:ext uri="{FF2B5EF4-FFF2-40B4-BE49-F238E27FC236}">
+                <a16:creationId xmlns:a16="http://schemas.microsoft.com/office/drawing/2014/main" id="{AC22EB66-BBCC-42A1-AAC1-93D0C22BE6BD}"/>
+              </a:ext>
+            </a:extLst>
+          </p:cNvPr>
+          <p:cNvSpPr/>
+          <p:nvPr/>
+        </p:nvSpPr>
+        <p:spPr>
+          <a:xfrm>
+            <a:off x="119337" y="634181"/>
+            <a:ext cx="11881320" cy="418555"/>
+          </a:xfrm>
+          <a:prstGeom prst="roundRect">
+            <a:avLst/>
+          </a:prstGeom>
+          <a:solidFill>
+            <a:srgbClr val="254356"/>
+          </a:solidFill>
+          <a:ln>
+            <a:noFill/>
+          </a:ln>
+        </p:spPr>
+        <p:style>
+          <a:lnRef idx="2">
+            <a:schemeClr val="accent1">
+              <a:shade val="50000"/>
+            </a:schemeClr>
+          </a:lnRef>
+          <a:fillRef idx="1">
+            <a:schemeClr val="accent1"/>
+          </a:fillRef>
+          <a:effectRef idx="0">
+            <a:schemeClr val="accent1"/>
+          </a:effectRef>
+          <a:fontRef idx="minor">
+            <a:schemeClr val="lt1"/>
+          </a:fontRef>
+        </p:style>
+        <p:txBody>
+          <a:bodyPr rtlCol="0" anchor="ctr"/>
+          <a:lstStyle/>
+          <a:p>
+            <a:r>
+              <a:rPr lang="es-CL" b="1" dirty="0"/>
+              <a:t>Demo: Control por voz</a:t>
+            </a:r>
+          </a:p>
+        </p:txBody>
+      </p:sp>
+    </p:spTree>
+    <p:extLst>
+      <p:ext uri="{BB962C8B-B14F-4D97-AF65-F5344CB8AC3E}">
+        <p14:creationId xmlns:p14="http://schemas.microsoft.com/office/powerpoint/2010/main" val="486433987"/>
+      </p:ext>
+    </p:extLst>
+  </p:cSld>
+  <p:clrMapOvr>
+    <a:masterClrMapping/>
+  </p:clrMapOvr>
+</p:sld>
+</file>
+
+<file path=ppt/slides/slide9.xml><?xml version="1.0" encoding="utf-8"?>
+<p:sld xmlns:a="http://schemas.openxmlformats.org/drawingml/2006/main" xmlns:r="http://schemas.openxmlformats.org/officeDocument/2006/relationships" xmlns:p="http://schemas.openxmlformats.org/presentationml/2006/main">
+  <p:cSld>
+    <p:spTree>
+      <p:nvGrpSpPr>
+        <p:cNvPr id="1" name=""/>
+        <p:cNvGrpSpPr/>
+        <p:nvPr/>
+      </p:nvGrpSpPr>
+      <p:grpSpPr>
+        <a:xfrm>
+          <a:off x="0" y="0"/>
+          <a:ext cx="0" cy="0"/>
+          <a:chOff x="0" y="0"/>
+          <a:chExt cx="0" cy="0"/>
+        </a:xfrm>
+      </p:grpSpPr>
+      <p:sp>
+        <p:nvSpPr>
+          <p:cNvPr id="11" name="9 Título"/>
           <p:cNvSpPr txBox="1">
             <a:spLocks/>
           </p:cNvSpPr>
@@ -5933,14 +6187,38 @@
       </p:sp>
       <p:pic>
         <p:nvPicPr>
-          <p:cNvPr id="5" name="Picture 2"/>
+          <p:cNvPr id="17" name="16 Imagen" descr="LOGO ST_IP_CFT.JPG"/>
+          <p:cNvPicPr>
+            <a:picLocks noChangeAspect="1"/>
+          </p:cNvPicPr>
+          <p:nvPr/>
+        </p:nvPicPr>
+        <p:blipFill>
+          <a:blip r:embed="rId2" cstate="print"/>
+          <a:stretch>
+            <a:fillRect/>
+          </a:stretch>
+        </p:blipFill>
+        <p:spPr>
+          <a:xfrm>
+            <a:off x="11202184" y="6192559"/>
+            <a:ext cx="798472" cy="538564"/>
+          </a:xfrm>
+          <a:prstGeom prst="rect">
+            <a:avLst/>
+          </a:prstGeom>
+        </p:spPr>
+      </p:pic>
+      <p:pic>
+        <p:nvPicPr>
+          <p:cNvPr id="15" name="Picture 2"/>
           <p:cNvPicPr>
             <a:picLocks noChangeAspect="1" noChangeArrowheads="1"/>
           </p:cNvPicPr>
           <p:nvPr/>
         </p:nvPicPr>
         <p:blipFill>
-          <a:blip r:embed="rId4" cstate="print">
+          <a:blip r:embed="rId3" cstate="print">
             <a:extLst>
               <a:ext uri="{28A0092B-C50C-407E-A947-70E740481C1C}">
                 <a14:useLocalDpi xmlns:a14="http://schemas.microsoft.com/office/drawing/2010/main" val="0"/>
@@ -5995,10 +6273,184 @@
           </a:extLst>
         </p:spPr>
       </p:pic>
+      <p:sp>
+        <p:nvSpPr>
+          <p:cNvPr id="6" name="Rectángulo: esquinas redondeadas 5">
+            <a:extLst>
+              <a:ext uri="{FF2B5EF4-FFF2-40B4-BE49-F238E27FC236}">
+                <a16:creationId xmlns:a16="http://schemas.microsoft.com/office/drawing/2014/main" id="{AC22EB66-BBCC-42A1-AAC1-93D0C22BE6BD}"/>
+              </a:ext>
+            </a:extLst>
+          </p:cNvPr>
+          <p:cNvSpPr/>
+          <p:nvPr/>
+        </p:nvSpPr>
+        <p:spPr>
+          <a:xfrm>
+            <a:off x="119337" y="634181"/>
+            <a:ext cx="11881320" cy="418555"/>
+          </a:xfrm>
+          <a:prstGeom prst="roundRect">
+            <a:avLst/>
+          </a:prstGeom>
+          <a:solidFill>
+            <a:srgbClr val="254356"/>
+          </a:solidFill>
+          <a:ln>
+            <a:noFill/>
+          </a:ln>
+        </p:spPr>
+        <p:style>
+          <a:lnRef idx="2">
+            <a:schemeClr val="accent1">
+              <a:shade val="50000"/>
+            </a:schemeClr>
+          </a:lnRef>
+          <a:fillRef idx="1">
+            <a:schemeClr val="accent1"/>
+          </a:fillRef>
+          <a:effectRef idx="0">
+            <a:schemeClr val="accent1"/>
+          </a:effectRef>
+          <a:fontRef idx="minor">
+            <a:schemeClr val="lt1"/>
+          </a:fontRef>
+        </p:style>
+        <p:txBody>
+          <a:bodyPr rtlCol="0" anchor="ctr"/>
+          <a:lstStyle/>
+          <a:p>
+            <a:r>
+              <a:rPr lang="es-CL" b="1" dirty="0"/>
+              <a:t>Demo: Transmisión de video</a:t>
+            </a:r>
+          </a:p>
+        </p:txBody>
+      </p:sp>
+      <p:pic>
+        <p:nvPicPr>
+          <p:cNvPr id="2" name="Imagen 1">
+            <a:extLst>
+              <a:ext uri="{FF2B5EF4-FFF2-40B4-BE49-F238E27FC236}">
+                <a16:creationId xmlns:a16="http://schemas.microsoft.com/office/drawing/2014/main" id="{68B5B2D2-E15D-4EFC-9642-FC087B1F7411}"/>
+              </a:ext>
+            </a:extLst>
+          </p:cNvPr>
+          <p:cNvPicPr>
+            <a:picLocks noChangeAspect="1"/>
+          </p:cNvPicPr>
+          <p:nvPr/>
+        </p:nvPicPr>
+        <p:blipFill>
+          <a:blip r:embed="rId4"/>
+          <a:stretch>
+            <a:fillRect/>
+          </a:stretch>
+        </p:blipFill>
+        <p:spPr>
+          <a:xfrm>
+            <a:off x="407368" y="1361656"/>
+            <a:ext cx="3032218" cy="2813629"/>
+          </a:xfrm>
+          <a:prstGeom prst="rect">
+            <a:avLst/>
+          </a:prstGeom>
+        </p:spPr>
+      </p:pic>
+      <p:pic>
+        <p:nvPicPr>
+          <p:cNvPr id="3" name="Imagen 2">
+            <a:extLst>
+              <a:ext uri="{FF2B5EF4-FFF2-40B4-BE49-F238E27FC236}">
+                <a16:creationId xmlns:a16="http://schemas.microsoft.com/office/drawing/2014/main" id="{2EDFBB67-BDBE-412E-ABEA-46CC9CBA89F9}"/>
+              </a:ext>
+            </a:extLst>
+          </p:cNvPr>
+          <p:cNvPicPr>
+            <a:picLocks noChangeAspect="1"/>
+          </p:cNvPicPr>
+          <p:nvPr/>
+        </p:nvPicPr>
+        <p:blipFill>
+          <a:blip r:embed="rId5"/>
+          <a:stretch>
+            <a:fillRect/>
+          </a:stretch>
+        </p:blipFill>
+        <p:spPr>
+          <a:xfrm>
+            <a:off x="4730051" y="1226485"/>
+            <a:ext cx="7270606" cy="4678042"/>
+          </a:xfrm>
+          <a:prstGeom prst="rect">
+            <a:avLst/>
+          </a:prstGeom>
+        </p:spPr>
+      </p:pic>
+      <p:pic>
+        <p:nvPicPr>
+          <p:cNvPr id="4" name="Imagen 3">
+            <a:extLst>
+              <a:ext uri="{FF2B5EF4-FFF2-40B4-BE49-F238E27FC236}">
+                <a16:creationId xmlns:a16="http://schemas.microsoft.com/office/drawing/2014/main" id="{1133C103-CFD4-4519-AFA6-451DB2B44F67}"/>
+              </a:ext>
+            </a:extLst>
+          </p:cNvPr>
+          <p:cNvPicPr>
+            <a:picLocks noChangeAspect="1"/>
+          </p:cNvPicPr>
+          <p:nvPr/>
+        </p:nvPicPr>
+        <p:blipFill>
+          <a:blip r:embed="rId6"/>
+          <a:stretch>
+            <a:fillRect/>
+          </a:stretch>
+        </p:blipFill>
+        <p:spPr>
+          <a:xfrm>
+            <a:off x="3203576" y="4430211"/>
+            <a:ext cx="1221738" cy="2160000"/>
+          </a:xfrm>
+          <a:prstGeom prst="rect">
+            <a:avLst/>
+          </a:prstGeom>
+        </p:spPr>
+      </p:pic>
+      <p:pic>
+        <p:nvPicPr>
+          <p:cNvPr id="5" name="Imagen 4">
+            <a:extLst>
+              <a:ext uri="{FF2B5EF4-FFF2-40B4-BE49-F238E27FC236}">
+                <a16:creationId xmlns:a16="http://schemas.microsoft.com/office/drawing/2014/main" id="{CE367BC7-4B0F-40ED-A28F-788B0F08AD44}"/>
+              </a:ext>
+            </a:extLst>
+          </p:cNvPr>
+          <p:cNvPicPr>
+            <a:picLocks noChangeAspect="1"/>
+          </p:cNvPicPr>
+          <p:nvPr/>
+        </p:nvPicPr>
+        <p:blipFill>
+          <a:blip r:embed="rId7"/>
+          <a:stretch>
+            <a:fillRect/>
+          </a:stretch>
+        </p:blipFill>
+        <p:spPr>
+          <a:xfrm>
+            <a:off x="1923477" y="4430211"/>
+            <a:ext cx="1221738" cy="2160000"/>
+          </a:xfrm>
+          <a:prstGeom prst="rect">
+            <a:avLst/>
+          </a:prstGeom>
+        </p:spPr>
+      </p:pic>
     </p:spTree>
     <p:extLst>
       <p:ext uri="{BB962C8B-B14F-4D97-AF65-F5344CB8AC3E}">
-        <p14:creationId xmlns:p14="http://schemas.microsoft.com/office/powerpoint/2010/main" val="2285125894"/>
+        <p14:creationId xmlns:p14="http://schemas.microsoft.com/office/powerpoint/2010/main" val="3104671221"/>
       </p:ext>
     </p:extLst>
   </p:cSld>
